--- a/Slides/Module 3 - Finding and Modifying Items.pptx
+++ b/Slides/Module 3 - Finding and Modifying Items.pptx
@@ -5,10 +5,10 @@
     <p:sldMasterId id="2147483660" r:id="rId4"/>
   </p:sldMasterIdLst>
   <p:notesMasterIdLst>
-    <p:notesMasterId r:id="rId21"/>
+    <p:notesMasterId r:id="rId29"/>
   </p:notesMasterIdLst>
   <p:handoutMasterIdLst>
-    <p:handoutMasterId r:id="rId22"/>
+    <p:handoutMasterId r:id="rId30"/>
   </p:handoutMasterIdLst>
   <p:sldIdLst>
     <p:sldId id="277" r:id="rId5"/>
@@ -26,7 +26,15 @@
     <p:sldId id="293" r:id="rId17"/>
     <p:sldId id="294" r:id="rId18"/>
     <p:sldId id="295" r:id="rId19"/>
-    <p:sldId id="269" r:id="rId20"/>
+    <p:sldId id="296" r:id="rId20"/>
+    <p:sldId id="299" r:id="rId21"/>
+    <p:sldId id="297" r:id="rId22"/>
+    <p:sldId id="298" r:id="rId23"/>
+    <p:sldId id="300" r:id="rId24"/>
+    <p:sldId id="301" r:id="rId25"/>
+    <p:sldId id="302" r:id="rId26"/>
+    <p:sldId id="303" r:id="rId27"/>
+    <p:sldId id="269" r:id="rId28"/>
   </p:sldIdLst>
   <p:sldSz cx="12192000" cy="6858000"/>
   <p:notesSz cx="6858000" cy="9144000"/>
@@ -4202,13 +4210,9 @@
           <a:p>
             <a:r>
               <a:rPr lang="en-US" dirty="0" smtClean="0"/>
-              <a:t>Retrieving and </a:t>
-            </a:r>
-            <a:r>
-              <a:rPr lang="en-US" smtClean="0"/>
-              <a:t>Updating Content</a:t>
-            </a:r>
-            <a:endParaRPr lang="en-US"/>
+              <a:t>Retrieving and Updating Content</a:t>
+            </a:r>
+            <a:endParaRPr lang="en-US" dirty="0"/>
           </a:p>
         </p:txBody>
       </p:sp>
@@ -4227,7 +4231,7 @@
           <a:bodyPr/>
           <a:lstStyle/>
           <a:p>
-            <a:endParaRPr lang="en-US"/>
+            <a:endParaRPr lang="en-US" dirty="0"/>
           </a:p>
         </p:txBody>
       </p:sp>
@@ -4268,10 +4272,629 @@
           <a:chExt cx="0" cy="0"/>
         </a:xfrm>
       </p:grpSpPr>
+      <p:sp>
+        <p:nvSpPr>
+          <p:cNvPr id="4" name="Title 3"/>
+          <p:cNvSpPr>
+            <a:spLocks noGrp="1"/>
+          </p:cNvSpPr>
+          <p:nvPr>
+            <p:ph type="title"/>
+          </p:nvPr>
+        </p:nvSpPr>
+        <p:spPr/>
+        <p:txBody>
+          <a:bodyPr/>
+          <a:lstStyle/>
+          <a:p>
+            <a:r>
+              <a:rPr lang="en-US" dirty="0" smtClean="0"/>
+              <a:t>Updating content</a:t>
+            </a:r>
+            <a:endParaRPr lang="en-US" dirty="0"/>
+          </a:p>
+        </p:txBody>
+      </p:sp>
+      <p:sp>
+        <p:nvSpPr>
+          <p:cNvPr id="5" name="Content Placeholder 4"/>
+          <p:cNvSpPr>
+            <a:spLocks noGrp="1"/>
+          </p:cNvSpPr>
+          <p:nvPr>
+            <p:ph sz="quarter" idx="10"/>
+          </p:nvPr>
+        </p:nvSpPr>
+        <p:spPr/>
+        <p:txBody>
+          <a:bodyPr>
+            <a:normAutofit fontScale="77500" lnSpcReduction="20000"/>
+          </a:bodyPr>
+          <a:lstStyle/>
+          <a:p>
+            <a:r>
+              <a:rPr lang="en-US" dirty="0" smtClean="0">
+                <a:latin typeface="Consolas" panose="020B0609020204030204" pitchFamily="49" charset="0"/>
+                <a:cs typeface="Consolas" panose="020B0609020204030204" pitchFamily="49" charset="0"/>
+              </a:rPr>
+              <a:t>text()</a:t>
+            </a:r>
+          </a:p>
+          <a:p>
+            <a:pPr lvl="1"/>
+            <a:r>
+              <a:rPr lang="en-US" sz="3400" dirty="0"/>
+              <a:t>Retrieves text</a:t>
+            </a:r>
+          </a:p>
+          <a:p>
+            <a:r>
+              <a:rPr lang="en-US" dirty="0" smtClean="0">
+                <a:latin typeface="Consolas" panose="020B0609020204030204" pitchFamily="49" charset="0"/>
+                <a:cs typeface="Consolas" panose="020B0609020204030204" pitchFamily="49" charset="0"/>
+              </a:rPr>
+              <a:t>text(</a:t>
+            </a:r>
+            <a:r>
+              <a:rPr lang="en-US" dirty="0" smtClean="0">
+                <a:solidFill>
+                  <a:srgbClr val="C00000"/>
+                </a:solidFill>
+                <a:latin typeface="Consolas" panose="020B0609020204030204" pitchFamily="49" charset="0"/>
+                <a:cs typeface="Consolas" panose="020B0609020204030204" pitchFamily="49" charset="0"/>
+              </a:rPr>
+              <a:t>'value'</a:t>
+            </a:r>
+            <a:r>
+              <a:rPr lang="en-US" dirty="0" smtClean="0">
+                <a:latin typeface="Consolas" panose="020B0609020204030204" pitchFamily="49" charset="0"/>
+                <a:cs typeface="Consolas" panose="020B0609020204030204" pitchFamily="49" charset="0"/>
+              </a:rPr>
+              <a:t>)</a:t>
+            </a:r>
+          </a:p>
+          <a:p>
+            <a:pPr lvl="1"/>
+            <a:r>
+              <a:rPr lang="en-US" sz="3400" dirty="0"/>
+              <a:t>Sets text</a:t>
+            </a:r>
+          </a:p>
+          <a:p>
+            <a:r>
+              <a:rPr lang="en-US" dirty="0" smtClean="0">
+                <a:latin typeface="Consolas" panose="020B0609020204030204" pitchFamily="49" charset="0"/>
+                <a:cs typeface="Consolas" panose="020B0609020204030204" pitchFamily="49" charset="0"/>
+              </a:rPr>
+              <a:t>html()</a:t>
+            </a:r>
+          </a:p>
+          <a:p>
+            <a:pPr lvl="1"/>
+            <a:r>
+              <a:rPr lang="en-US" sz="3300" dirty="0"/>
+              <a:t>Retrieves markup</a:t>
+            </a:r>
+          </a:p>
+          <a:p>
+            <a:r>
+              <a:rPr lang="en-US" dirty="0" smtClean="0">
+                <a:latin typeface="Consolas" panose="020B0609020204030204" pitchFamily="49" charset="0"/>
+                <a:cs typeface="Consolas" panose="020B0609020204030204" pitchFamily="49" charset="0"/>
+              </a:rPr>
+              <a:t>html(</a:t>
+            </a:r>
+            <a:r>
+              <a:rPr lang="en-US" dirty="0" smtClean="0">
+                <a:solidFill>
+                  <a:srgbClr val="C00000"/>
+                </a:solidFill>
+                <a:latin typeface="Consolas" panose="020B0609020204030204" pitchFamily="49" charset="0"/>
+                <a:cs typeface="Consolas" panose="020B0609020204030204" pitchFamily="49" charset="0"/>
+              </a:rPr>
+              <a:t>'markup'</a:t>
+            </a:r>
+            <a:r>
+              <a:rPr lang="en-US" dirty="0" smtClean="0">
+                <a:latin typeface="Consolas" panose="020B0609020204030204" pitchFamily="49" charset="0"/>
+                <a:cs typeface="Consolas" panose="020B0609020204030204" pitchFamily="49" charset="0"/>
+              </a:rPr>
+              <a:t>)</a:t>
+            </a:r>
+          </a:p>
+          <a:p>
+            <a:pPr lvl="1"/>
+            <a:r>
+              <a:rPr lang="en-US" sz="3300" dirty="0"/>
+              <a:t>Sets markup</a:t>
+            </a:r>
+          </a:p>
+          <a:p>
+            <a:r>
+              <a:rPr lang="en-US" dirty="0" err="1" smtClean="0">
+                <a:latin typeface="Consolas" panose="020B0609020204030204" pitchFamily="49" charset="0"/>
+                <a:cs typeface="Consolas" panose="020B0609020204030204" pitchFamily="49" charset="0"/>
+              </a:rPr>
+              <a:t>val</a:t>
+            </a:r>
+            <a:r>
+              <a:rPr lang="en-US" dirty="0" smtClean="0">
+                <a:latin typeface="Consolas" panose="020B0609020204030204" pitchFamily="49" charset="0"/>
+                <a:cs typeface="Consolas" panose="020B0609020204030204" pitchFamily="49" charset="0"/>
+              </a:rPr>
+              <a:t>()</a:t>
+            </a:r>
+          </a:p>
+          <a:p>
+            <a:pPr lvl="1"/>
+            <a:r>
+              <a:rPr lang="en-US" sz="3300" dirty="0"/>
+              <a:t>Retrieves value</a:t>
+            </a:r>
+          </a:p>
+          <a:p>
+            <a:r>
+              <a:rPr lang="en-US" dirty="0" err="1" smtClean="0">
+                <a:latin typeface="Consolas" panose="020B0609020204030204" pitchFamily="49" charset="0"/>
+                <a:cs typeface="Consolas" panose="020B0609020204030204" pitchFamily="49" charset="0"/>
+              </a:rPr>
+              <a:t>val</a:t>
+            </a:r>
+            <a:r>
+              <a:rPr lang="en-US" dirty="0" smtClean="0">
+                <a:latin typeface="Consolas" panose="020B0609020204030204" pitchFamily="49" charset="0"/>
+                <a:cs typeface="Consolas" panose="020B0609020204030204" pitchFamily="49" charset="0"/>
+              </a:rPr>
+              <a:t>(</a:t>
+            </a:r>
+            <a:r>
+              <a:rPr lang="en-US" dirty="0" smtClean="0">
+                <a:solidFill>
+                  <a:srgbClr val="C00000"/>
+                </a:solidFill>
+                <a:latin typeface="Consolas" panose="020B0609020204030204" pitchFamily="49" charset="0"/>
+                <a:cs typeface="Consolas" panose="020B0609020204030204" pitchFamily="49" charset="0"/>
+              </a:rPr>
+              <a:t>'value'</a:t>
+            </a:r>
+            <a:r>
+              <a:rPr lang="en-US" dirty="0" smtClean="0">
+                <a:latin typeface="Consolas" panose="020B0609020204030204" pitchFamily="49" charset="0"/>
+                <a:cs typeface="Consolas" panose="020B0609020204030204" pitchFamily="49" charset="0"/>
+              </a:rPr>
+              <a:t>)</a:t>
+            </a:r>
+          </a:p>
+          <a:p>
+            <a:pPr lvl="1"/>
+            <a:r>
+              <a:rPr lang="en-US" sz="3300" dirty="0"/>
+              <a:t>Sets value</a:t>
+            </a:r>
+            <a:endParaRPr lang="en-US" sz="3300" dirty="0"/>
+          </a:p>
+        </p:txBody>
+      </p:sp>
     </p:spTree>
     <p:extLst>
       <p:ext uri="{BB962C8B-B14F-4D97-AF65-F5344CB8AC3E}">
-        <p14:creationId xmlns:p14="http://schemas.microsoft.com/office/powerpoint/2010/main" val="898363405"/>
+        <p14:creationId xmlns:p14="http://schemas.microsoft.com/office/powerpoint/2010/main" val="955001128"/>
+      </p:ext>
+    </p:extLst>
+  </p:cSld>
+  <p:clrMapOvr>
+    <a:masterClrMapping/>
+  </p:clrMapOvr>
+  <p:timing>
+    <p:tnLst>
+      <p:par>
+        <p:cTn id="1" dur="indefinite" restart="never" nodeType="tmRoot"/>
+      </p:par>
+    </p:tnLst>
+  </p:timing>
+</p:sld>
+</file>
+
+<file path=ppt/slides/slide17.xml><?xml version="1.0" encoding="utf-8"?>
+<p:sld xmlns:a="http://schemas.openxmlformats.org/drawingml/2006/main" xmlns:r="http://schemas.openxmlformats.org/officeDocument/2006/relationships" xmlns:p="http://schemas.openxmlformats.org/presentationml/2006/main">
+  <p:cSld>
+    <p:spTree>
+      <p:nvGrpSpPr>
+        <p:cNvPr id="1" name=""/>
+        <p:cNvGrpSpPr/>
+        <p:nvPr/>
+      </p:nvGrpSpPr>
+      <p:grpSpPr>
+        <a:xfrm>
+          <a:off x="0" y="0"/>
+          <a:ext cx="0" cy="0"/>
+          <a:chOff x="0" y="0"/>
+          <a:chExt cx="0" cy="0"/>
+        </a:xfrm>
+      </p:grpSpPr>
+      <p:sp>
+        <p:nvSpPr>
+          <p:cNvPr id="4" name="Title 3"/>
+          <p:cNvSpPr>
+            <a:spLocks noGrp="1"/>
+          </p:cNvSpPr>
+          <p:nvPr>
+            <p:ph type="title"/>
+          </p:nvPr>
+        </p:nvSpPr>
+        <p:spPr/>
+        <p:txBody>
+          <a:bodyPr/>
+          <a:lstStyle/>
+          <a:p>
+            <a:r>
+              <a:rPr lang="en-US" dirty="0" smtClean="0"/>
+              <a:t>Updating and retrieving content</a:t>
+            </a:r>
+            <a:endParaRPr lang="en-US" dirty="0"/>
+          </a:p>
+        </p:txBody>
+      </p:sp>
+    </p:spTree>
+    <p:extLst>
+      <p:ext uri="{BB962C8B-B14F-4D97-AF65-F5344CB8AC3E}">
+        <p14:creationId xmlns:p14="http://schemas.microsoft.com/office/powerpoint/2010/main" val="303451694"/>
+      </p:ext>
+    </p:extLst>
+  </p:cSld>
+  <p:clrMapOvr>
+    <a:masterClrMapping/>
+  </p:clrMapOvr>
+  <p:timing>
+    <p:tnLst>
+      <p:par>
+        <p:cTn id="1" dur="indefinite" restart="never" nodeType="tmRoot"/>
+      </p:par>
+    </p:tnLst>
+  </p:timing>
+</p:sld>
+</file>
+
+<file path=ppt/slides/slide18.xml><?xml version="1.0" encoding="utf-8"?>
+<p:sld xmlns:a="http://schemas.openxmlformats.org/drawingml/2006/main" xmlns:r="http://schemas.openxmlformats.org/officeDocument/2006/relationships" xmlns:p="http://schemas.openxmlformats.org/presentationml/2006/main">
+  <p:cSld>
+    <p:spTree>
+      <p:nvGrpSpPr>
+        <p:cNvPr id="1" name=""/>
+        <p:cNvGrpSpPr/>
+        <p:nvPr/>
+      </p:nvGrpSpPr>
+      <p:grpSpPr>
+        <a:xfrm>
+          <a:off x="0" y="0"/>
+          <a:ext cx="0" cy="0"/>
+          <a:chOff x="0" y="0"/>
+          <a:chExt cx="0" cy="0"/>
+        </a:xfrm>
+      </p:grpSpPr>
+      <p:sp>
+        <p:nvSpPr>
+          <p:cNvPr id="2" name="Title 1"/>
+          <p:cNvSpPr>
+            <a:spLocks noGrp="1"/>
+          </p:cNvSpPr>
+          <p:nvPr>
+            <p:ph type="title"/>
+          </p:nvPr>
+        </p:nvSpPr>
+        <p:spPr/>
+        <p:txBody>
+          <a:bodyPr/>
+          <a:lstStyle/>
+          <a:p>
+            <a:r>
+              <a:rPr lang="en-US" dirty="0" smtClean="0"/>
+              <a:t>Appending items</a:t>
+            </a:r>
+            <a:endParaRPr lang="en-US" dirty="0"/>
+          </a:p>
+        </p:txBody>
+      </p:sp>
+      <p:sp>
+        <p:nvSpPr>
+          <p:cNvPr id="3" name="Content Placeholder 2"/>
+          <p:cNvSpPr>
+            <a:spLocks noGrp="1"/>
+          </p:cNvSpPr>
+          <p:nvPr>
+            <p:ph sz="quarter" idx="10"/>
+          </p:nvPr>
+        </p:nvSpPr>
+        <p:spPr/>
+        <p:txBody>
+          <a:bodyPr/>
+          <a:lstStyle/>
+          <a:p>
+            <a:r>
+              <a:rPr lang="en-US" dirty="0" smtClean="0">
+                <a:latin typeface="Consolas" panose="020B0609020204030204" pitchFamily="49" charset="0"/>
+                <a:cs typeface="Consolas" panose="020B0609020204030204" pitchFamily="49" charset="0"/>
+              </a:rPr>
+              <a:t>append</a:t>
+            </a:r>
+          </a:p>
+          <a:p>
+            <a:pPr lvl="1"/>
+            <a:r>
+              <a:rPr lang="en-US" dirty="0" err="1" smtClean="0">
+                <a:latin typeface="Consolas" panose="020B0609020204030204" pitchFamily="49" charset="0"/>
+                <a:cs typeface="Consolas" panose="020B0609020204030204" pitchFamily="49" charset="0"/>
+              </a:rPr>
+              <a:t>target.append</a:t>
+            </a:r>
+            <a:r>
+              <a:rPr lang="en-US" dirty="0" smtClean="0">
+                <a:latin typeface="Consolas" panose="020B0609020204030204" pitchFamily="49" charset="0"/>
+                <a:cs typeface="Consolas" panose="020B0609020204030204" pitchFamily="49" charset="0"/>
+              </a:rPr>
+              <a:t>(</a:t>
+            </a:r>
+            <a:r>
+              <a:rPr lang="en-US" dirty="0" smtClean="0">
+                <a:solidFill>
+                  <a:srgbClr val="C00000"/>
+                </a:solidFill>
+                <a:latin typeface="Consolas" panose="020B0609020204030204" pitchFamily="49" charset="0"/>
+                <a:cs typeface="Consolas" panose="020B0609020204030204" pitchFamily="49" charset="0"/>
+              </a:rPr>
+              <a:t>'</a:t>
+            </a:r>
+            <a:r>
+              <a:rPr lang="en-US" i="1" dirty="0" smtClean="0">
+                <a:solidFill>
+                  <a:srgbClr val="C00000"/>
+                </a:solidFill>
+                <a:latin typeface="Consolas" panose="020B0609020204030204" pitchFamily="49" charset="0"/>
+                <a:cs typeface="Consolas" panose="020B0609020204030204" pitchFamily="49" charset="0"/>
+              </a:rPr>
+              <a:t>new elements</a:t>
+            </a:r>
+            <a:r>
+              <a:rPr lang="en-US" dirty="0" smtClean="0">
+                <a:solidFill>
+                  <a:srgbClr val="C00000"/>
+                </a:solidFill>
+                <a:latin typeface="Consolas" panose="020B0609020204030204" pitchFamily="49" charset="0"/>
+                <a:cs typeface="Consolas" panose="020B0609020204030204" pitchFamily="49" charset="0"/>
+              </a:rPr>
+              <a:t>'</a:t>
+            </a:r>
+            <a:r>
+              <a:rPr lang="en-US" dirty="0" smtClean="0">
+                <a:latin typeface="Consolas" panose="020B0609020204030204" pitchFamily="49" charset="0"/>
+                <a:cs typeface="Consolas" panose="020B0609020204030204" pitchFamily="49" charset="0"/>
+              </a:rPr>
+              <a:t>)</a:t>
+            </a:r>
+          </a:p>
+          <a:p>
+            <a:r>
+              <a:rPr lang="en-US" dirty="0" err="1" smtClean="0">
+                <a:latin typeface="Consolas" panose="020B0609020204030204" pitchFamily="49" charset="0"/>
+                <a:cs typeface="Consolas" panose="020B0609020204030204" pitchFamily="49" charset="0"/>
+              </a:rPr>
+              <a:t>appendTo</a:t>
+            </a:r>
+            <a:endParaRPr lang="en-US" dirty="0" smtClean="0">
+              <a:latin typeface="Consolas" panose="020B0609020204030204" pitchFamily="49" charset="0"/>
+              <a:cs typeface="Consolas" panose="020B0609020204030204" pitchFamily="49" charset="0"/>
+            </a:endParaRPr>
+          </a:p>
+          <a:p>
+            <a:pPr lvl="1"/>
+            <a:r>
+              <a:rPr lang="en-US" dirty="0" err="1" smtClean="0">
+                <a:latin typeface="Consolas" panose="020B0609020204030204" pitchFamily="49" charset="0"/>
+                <a:cs typeface="Consolas" panose="020B0609020204030204" pitchFamily="49" charset="0"/>
+              </a:rPr>
+              <a:t>newElements.appendTo</a:t>
+            </a:r>
+            <a:r>
+              <a:rPr lang="en-US" dirty="0" smtClean="0">
+                <a:latin typeface="Consolas" panose="020B0609020204030204" pitchFamily="49" charset="0"/>
+                <a:cs typeface="Consolas" panose="020B0609020204030204" pitchFamily="49" charset="0"/>
+              </a:rPr>
+              <a:t>(</a:t>
+            </a:r>
+            <a:r>
+              <a:rPr lang="en-US" dirty="0" smtClean="0">
+                <a:solidFill>
+                  <a:srgbClr val="C00000"/>
+                </a:solidFill>
+                <a:latin typeface="Consolas" panose="020B0609020204030204" pitchFamily="49" charset="0"/>
+                <a:cs typeface="Consolas" panose="020B0609020204030204" pitchFamily="49" charset="0"/>
+              </a:rPr>
+              <a:t>'target'</a:t>
+            </a:r>
+            <a:r>
+              <a:rPr lang="en-US" dirty="0" smtClean="0">
+                <a:latin typeface="Consolas" panose="020B0609020204030204" pitchFamily="49" charset="0"/>
+                <a:cs typeface="Consolas" panose="020B0609020204030204" pitchFamily="49" charset="0"/>
+              </a:rPr>
+              <a:t>)</a:t>
+            </a:r>
+          </a:p>
+        </p:txBody>
+      </p:sp>
+    </p:spTree>
+    <p:extLst>
+      <p:ext uri="{BB962C8B-B14F-4D97-AF65-F5344CB8AC3E}">
+        <p14:creationId xmlns:p14="http://schemas.microsoft.com/office/powerpoint/2010/main" val="3028810022"/>
+      </p:ext>
+    </p:extLst>
+  </p:cSld>
+  <p:clrMapOvr>
+    <a:masterClrMapping/>
+  </p:clrMapOvr>
+  <p:timing>
+    <p:tnLst>
+      <p:par>
+        <p:cTn id="1" dur="indefinite" restart="never" nodeType="tmRoot"/>
+      </p:par>
+    </p:tnLst>
+  </p:timing>
+</p:sld>
+</file>
+
+<file path=ppt/slides/slide19.xml><?xml version="1.0" encoding="utf-8"?>
+<p:sld xmlns:a="http://schemas.openxmlformats.org/drawingml/2006/main" xmlns:r="http://schemas.openxmlformats.org/officeDocument/2006/relationships" xmlns:p="http://schemas.openxmlformats.org/presentationml/2006/main">
+  <p:cSld>
+    <p:spTree>
+      <p:nvGrpSpPr>
+        <p:cNvPr id="1" name=""/>
+        <p:cNvGrpSpPr/>
+        <p:nvPr/>
+      </p:nvGrpSpPr>
+      <p:grpSpPr>
+        <a:xfrm>
+          <a:off x="0" y="0"/>
+          <a:ext cx="0" cy="0"/>
+          <a:chOff x="0" y="0"/>
+          <a:chExt cx="0" cy="0"/>
+        </a:xfrm>
+      </p:grpSpPr>
+      <p:sp>
+        <p:nvSpPr>
+          <p:cNvPr id="2" name="Title 1"/>
+          <p:cNvSpPr>
+            <a:spLocks noGrp="1"/>
+          </p:cNvSpPr>
+          <p:nvPr>
+            <p:ph type="title"/>
+          </p:nvPr>
+        </p:nvSpPr>
+        <p:spPr/>
+        <p:txBody>
+          <a:bodyPr/>
+          <a:lstStyle/>
+          <a:p>
+            <a:r>
+              <a:rPr lang="en-US" dirty="0" smtClean="0"/>
+              <a:t>Inserting items</a:t>
+            </a:r>
+            <a:endParaRPr lang="en-US" dirty="0"/>
+          </a:p>
+        </p:txBody>
+      </p:sp>
+      <p:sp>
+        <p:nvSpPr>
+          <p:cNvPr id="3" name="Content Placeholder 2"/>
+          <p:cNvSpPr>
+            <a:spLocks noGrp="1"/>
+          </p:cNvSpPr>
+          <p:nvPr>
+            <p:ph sz="quarter" idx="10"/>
+          </p:nvPr>
+        </p:nvSpPr>
+        <p:spPr/>
+        <p:txBody>
+          <a:bodyPr/>
+          <a:lstStyle/>
+          <a:p>
+            <a:r>
+              <a:rPr lang="en-US" dirty="0" smtClean="0">
+                <a:latin typeface="Consolas" panose="020B0609020204030204" pitchFamily="49" charset="0"/>
+                <a:cs typeface="Consolas" panose="020B0609020204030204" pitchFamily="49" charset="0"/>
+              </a:rPr>
+              <a:t>insert</a:t>
+            </a:r>
+          </a:p>
+          <a:p>
+            <a:pPr lvl="1"/>
+            <a:r>
+              <a:rPr lang="en-US" dirty="0" err="1" smtClean="0">
+                <a:latin typeface="Consolas" panose="020B0609020204030204" pitchFamily="49" charset="0"/>
+                <a:cs typeface="Consolas" panose="020B0609020204030204" pitchFamily="49" charset="0"/>
+              </a:rPr>
+              <a:t>target.insert</a:t>
+            </a:r>
+            <a:r>
+              <a:rPr lang="en-US" dirty="0" smtClean="0">
+                <a:latin typeface="Consolas" panose="020B0609020204030204" pitchFamily="49" charset="0"/>
+                <a:cs typeface="Consolas" panose="020B0609020204030204" pitchFamily="49" charset="0"/>
+              </a:rPr>
+              <a:t>(</a:t>
+            </a:r>
+            <a:r>
+              <a:rPr lang="en-US" dirty="0" smtClean="0">
+                <a:solidFill>
+                  <a:srgbClr val="C00000"/>
+                </a:solidFill>
+                <a:latin typeface="Consolas" panose="020B0609020204030204" pitchFamily="49" charset="0"/>
+                <a:cs typeface="Consolas" panose="020B0609020204030204" pitchFamily="49" charset="0"/>
+              </a:rPr>
+              <a:t>'new elements'</a:t>
+            </a:r>
+            <a:r>
+              <a:rPr lang="en-US" dirty="0" smtClean="0">
+                <a:latin typeface="Consolas" panose="020B0609020204030204" pitchFamily="49" charset="0"/>
+                <a:cs typeface="Consolas" panose="020B0609020204030204" pitchFamily="49" charset="0"/>
+              </a:rPr>
+              <a:t>)</a:t>
+            </a:r>
+          </a:p>
+          <a:p>
+            <a:r>
+              <a:rPr lang="en-US" dirty="0" err="1" smtClean="0">
+                <a:latin typeface="Consolas" panose="020B0609020204030204" pitchFamily="49" charset="0"/>
+                <a:cs typeface="Consolas" panose="020B0609020204030204" pitchFamily="49" charset="0"/>
+              </a:rPr>
+              <a:t>insertBefore</a:t>
+            </a:r>
+            <a:endParaRPr lang="en-US" dirty="0" smtClean="0">
+              <a:latin typeface="Consolas" panose="020B0609020204030204" pitchFamily="49" charset="0"/>
+              <a:cs typeface="Consolas" panose="020B0609020204030204" pitchFamily="49" charset="0"/>
+            </a:endParaRPr>
+          </a:p>
+          <a:p>
+            <a:pPr lvl="1"/>
+            <a:r>
+              <a:rPr lang="en-US" dirty="0" err="1" smtClean="0">
+                <a:latin typeface="Consolas" panose="020B0609020204030204" pitchFamily="49" charset="0"/>
+                <a:cs typeface="Consolas" panose="020B0609020204030204" pitchFamily="49" charset="0"/>
+              </a:rPr>
+              <a:t>newElements.insertBefore</a:t>
+            </a:r>
+            <a:r>
+              <a:rPr lang="en-US" dirty="0" smtClean="0">
+                <a:latin typeface="Consolas" panose="020B0609020204030204" pitchFamily="49" charset="0"/>
+                <a:cs typeface="Consolas" panose="020B0609020204030204" pitchFamily="49" charset="0"/>
+              </a:rPr>
+              <a:t>(</a:t>
+            </a:r>
+            <a:r>
+              <a:rPr lang="en-US" dirty="0" smtClean="0">
+                <a:solidFill>
+                  <a:srgbClr val="C00000"/>
+                </a:solidFill>
+                <a:latin typeface="Consolas" panose="020B0609020204030204" pitchFamily="49" charset="0"/>
+                <a:cs typeface="Consolas" panose="020B0609020204030204" pitchFamily="49" charset="0"/>
+              </a:rPr>
+              <a:t>'target'</a:t>
+            </a:r>
+            <a:r>
+              <a:rPr lang="en-US" dirty="0" smtClean="0">
+                <a:latin typeface="Consolas" panose="020B0609020204030204" pitchFamily="49" charset="0"/>
+                <a:cs typeface="Consolas" panose="020B0609020204030204" pitchFamily="49" charset="0"/>
+              </a:rPr>
+              <a:t>)</a:t>
+            </a:r>
+            <a:endParaRPr lang="en-US" dirty="0">
+              <a:latin typeface="Consolas" panose="020B0609020204030204" pitchFamily="49" charset="0"/>
+              <a:cs typeface="Consolas" panose="020B0609020204030204" pitchFamily="49" charset="0"/>
+            </a:endParaRPr>
+          </a:p>
+        </p:txBody>
+      </p:sp>
+    </p:spTree>
+    <p:extLst>
+      <p:ext uri="{BB962C8B-B14F-4D97-AF65-F5344CB8AC3E}">
+        <p14:creationId xmlns:p14="http://schemas.microsoft.com/office/powerpoint/2010/main" val="2641171991"/>
       </p:ext>
     </p:extLst>
   </p:cSld>
@@ -4375,6 +4998,492 @@
     <p:extLst>
       <p:ext uri="{BB962C8B-B14F-4D97-AF65-F5344CB8AC3E}">
         <p14:creationId xmlns:p14="http://schemas.microsoft.com/office/powerpoint/2010/main" val="318349970"/>
+      </p:ext>
+    </p:extLst>
+  </p:cSld>
+  <p:clrMapOvr>
+    <a:masterClrMapping/>
+  </p:clrMapOvr>
+  <p:timing>
+    <p:tnLst>
+      <p:par>
+        <p:cTn id="1" dur="indefinite" restart="never" nodeType="tmRoot"/>
+      </p:par>
+    </p:tnLst>
+  </p:timing>
+</p:sld>
+</file>
+
+<file path=ppt/slides/slide20.xml><?xml version="1.0" encoding="utf-8"?>
+<p:sld xmlns:a="http://schemas.openxmlformats.org/drawingml/2006/main" xmlns:r="http://schemas.openxmlformats.org/officeDocument/2006/relationships" xmlns:p="http://schemas.openxmlformats.org/presentationml/2006/main">
+  <p:cSld>
+    <p:spTree>
+      <p:nvGrpSpPr>
+        <p:cNvPr id="1" name=""/>
+        <p:cNvGrpSpPr/>
+        <p:nvPr/>
+      </p:nvGrpSpPr>
+      <p:grpSpPr>
+        <a:xfrm>
+          <a:off x="0" y="0"/>
+          <a:ext cx="0" cy="0"/>
+          <a:chOff x="0" y="0"/>
+          <a:chExt cx="0" cy="0"/>
+        </a:xfrm>
+      </p:grpSpPr>
+      <p:sp>
+        <p:nvSpPr>
+          <p:cNvPr id="2" name="Title 1"/>
+          <p:cNvSpPr>
+            <a:spLocks noGrp="1"/>
+          </p:cNvSpPr>
+          <p:nvPr>
+            <p:ph type="title"/>
+          </p:nvPr>
+        </p:nvSpPr>
+        <p:spPr/>
+        <p:txBody>
+          <a:bodyPr/>
+          <a:lstStyle/>
+          <a:p>
+            <a:r>
+              <a:rPr lang="en-US" dirty="0" smtClean="0"/>
+              <a:t>Adding items</a:t>
+            </a:r>
+            <a:endParaRPr lang="en-US" dirty="0"/>
+          </a:p>
+        </p:txBody>
+      </p:sp>
+      <p:sp>
+        <p:nvSpPr>
+          <p:cNvPr id="3" name="Content Placeholder 2"/>
+          <p:cNvSpPr>
+            <a:spLocks noGrp="1"/>
+          </p:cNvSpPr>
+          <p:nvPr>
+            <p:ph sz="quarter" idx="10"/>
+          </p:nvPr>
+        </p:nvSpPr>
+        <p:spPr/>
+        <p:txBody>
+          <a:bodyPr/>
+          <a:lstStyle/>
+          <a:p>
+            <a:r>
+              <a:rPr lang="en-US" dirty="0" smtClean="0">
+                <a:latin typeface="Consolas" panose="020B0609020204030204" pitchFamily="49" charset="0"/>
+                <a:cs typeface="Consolas" panose="020B0609020204030204" pitchFamily="49" charset="0"/>
+              </a:rPr>
+              <a:t>after</a:t>
+            </a:r>
+          </a:p>
+          <a:p>
+            <a:pPr lvl="1"/>
+            <a:r>
+              <a:rPr lang="en-US" dirty="0" err="1" smtClean="0">
+                <a:latin typeface="Consolas" panose="020B0609020204030204" pitchFamily="49" charset="0"/>
+                <a:cs typeface="Consolas" panose="020B0609020204030204" pitchFamily="49" charset="0"/>
+              </a:rPr>
+              <a:t>target.after</a:t>
+            </a:r>
+            <a:r>
+              <a:rPr lang="en-US" dirty="0" smtClean="0">
+                <a:latin typeface="Consolas" panose="020B0609020204030204" pitchFamily="49" charset="0"/>
+                <a:cs typeface="Consolas" panose="020B0609020204030204" pitchFamily="49" charset="0"/>
+              </a:rPr>
+              <a:t>(</a:t>
+            </a:r>
+            <a:r>
+              <a:rPr lang="en-US" dirty="0" smtClean="0">
+                <a:solidFill>
+                  <a:srgbClr val="C00000"/>
+                </a:solidFill>
+                <a:latin typeface="Consolas" panose="020B0609020204030204" pitchFamily="49" charset="0"/>
+                <a:cs typeface="Consolas" panose="020B0609020204030204" pitchFamily="49" charset="0"/>
+              </a:rPr>
+              <a:t>'new elements'</a:t>
+            </a:r>
+            <a:r>
+              <a:rPr lang="en-US" dirty="0" smtClean="0">
+                <a:latin typeface="Consolas" panose="020B0609020204030204" pitchFamily="49" charset="0"/>
+                <a:cs typeface="Consolas" panose="020B0609020204030204" pitchFamily="49" charset="0"/>
+              </a:rPr>
+              <a:t>)</a:t>
+            </a:r>
+          </a:p>
+          <a:p>
+            <a:r>
+              <a:rPr lang="en-US" dirty="0" err="1" smtClean="0">
+                <a:latin typeface="Consolas" panose="020B0609020204030204" pitchFamily="49" charset="0"/>
+                <a:cs typeface="Consolas" panose="020B0609020204030204" pitchFamily="49" charset="0"/>
+              </a:rPr>
+              <a:t>insertAfter</a:t>
+            </a:r>
+            <a:endParaRPr lang="en-US" dirty="0" smtClean="0">
+              <a:latin typeface="Consolas" panose="020B0609020204030204" pitchFamily="49" charset="0"/>
+              <a:cs typeface="Consolas" panose="020B0609020204030204" pitchFamily="49" charset="0"/>
+            </a:endParaRPr>
+          </a:p>
+          <a:p>
+            <a:pPr lvl="1"/>
+            <a:r>
+              <a:rPr lang="en-US" dirty="0" err="1" smtClean="0">
+                <a:latin typeface="Consolas" panose="020B0609020204030204" pitchFamily="49" charset="0"/>
+                <a:cs typeface="Consolas" panose="020B0609020204030204" pitchFamily="49" charset="0"/>
+              </a:rPr>
+              <a:t>newElements.insertAfter</a:t>
+            </a:r>
+            <a:r>
+              <a:rPr lang="en-US" dirty="0" smtClean="0">
+                <a:latin typeface="Consolas" panose="020B0609020204030204" pitchFamily="49" charset="0"/>
+                <a:cs typeface="Consolas" panose="020B0609020204030204" pitchFamily="49" charset="0"/>
+              </a:rPr>
+              <a:t>(</a:t>
+            </a:r>
+            <a:r>
+              <a:rPr lang="en-US" dirty="0" smtClean="0">
+                <a:solidFill>
+                  <a:srgbClr val="C00000"/>
+                </a:solidFill>
+                <a:latin typeface="Consolas" panose="020B0609020204030204" pitchFamily="49" charset="0"/>
+                <a:cs typeface="Consolas" panose="020B0609020204030204" pitchFamily="49" charset="0"/>
+              </a:rPr>
+              <a:t>'target'</a:t>
+            </a:r>
+            <a:r>
+              <a:rPr lang="en-US" dirty="0" smtClean="0">
+                <a:latin typeface="Consolas" panose="020B0609020204030204" pitchFamily="49" charset="0"/>
+                <a:cs typeface="Consolas" panose="020B0609020204030204" pitchFamily="49" charset="0"/>
+              </a:rPr>
+              <a:t>)</a:t>
+            </a:r>
+            <a:endParaRPr lang="en-US" dirty="0">
+              <a:latin typeface="Consolas" panose="020B0609020204030204" pitchFamily="49" charset="0"/>
+              <a:cs typeface="Consolas" panose="020B0609020204030204" pitchFamily="49" charset="0"/>
+            </a:endParaRPr>
+          </a:p>
+        </p:txBody>
+      </p:sp>
+    </p:spTree>
+    <p:extLst>
+      <p:ext uri="{BB962C8B-B14F-4D97-AF65-F5344CB8AC3E}">
+        <p14:creationId xmlns:p14="http://schemas.microsoft.com/office/powerpoint/2010/main" val="3447430847"/>
+      </p:ext>
+    </p:extLst>
+  </p:cSld>
+  <p:clrMapOvr>
+    <a:masterClrMapping/>
+  </p:clrMapOvr>
+  <p:timing>
+    <p:tnLst>
+      <p:par>
+        <p:cTn id="1" dur="indefinite" restart="never" nodeType="tmRoot"/>
+      </p:par>
+    </p:tnLst>
+  </p:timing>
+</p:sld>
+</file>
+
+<file path=ppt/slides/slide21.xml><?xml version="1.0" encoding="utf-8"?>
+<p:sld xmlns:a="http://schemas.openxmlformats.org/drawingml/2006/main" xmlns:r="http://schemas.openxmlformats.org/officeDocument/2006/relationships" xmlns:p="http://schemas.openxmlformats.org/presentationml/2006/main">
+  <p:cSld>
+    <p:spTree>
+      <p:nvGrpSpPr>
+        <p:cNvPr id="1" name=""/>
+        <p:cNvGrpSpPr/>
+        <p:nvPr/>
+      </p:nvGrpSpPr>
+      <p:grpSpPr>
+        <a:xfrm>
+          <a:off x="0" y="0"/>
+          <a:ext cx="0" cy="0"/>
+          <a:chOff x="0" y="0"/>
+          <a:chExt cx="0" cy="0"/>
+        </a:xfrm>
+      </p:grpSpPr>
+      <p:sp>
+        <p:nvSpPr>
+          <p:cNvPr id="2" name="Title 1"/>
+          <p:cNvSpPr>
+            <a:spLocks noGrp="1"/>
+          </p:cNvSpPr>
+          <p:nvPr>
+            <p:ph type="title"/>
+          </p:nvPr>
+        </p:nvSpPr>
+        <p:spPr/>
+        <p:txBody>
+          <a:bodyPr/>
+          <a:lstStyle/>
+          <a:p>
+            <a:r>
+              <a:rPr lang="en-US" dirty="0" smtClean="0"/>
+              <a:t>Modifying structure</a:t>
+            </a:r>
+            <a:endParaRPr lang="en-US" dirty="0"/>
+          </a:p>
+        </p:txBody>
+      </p:sp>
+    </p:spTree>
+    <p:extLst>
+      <p:ext uri="{BB962C8B-B14F-4D97-AF65-F5344CB8AC3E}">
+        <p14:creationId xmlns:p14="http://schemas.microsoft.com/office/powerpoint/2010/main" val="1113225413"/>
+      </p:ext>
+    </p:extLst>
+  </p:cSld>
+  <p:clrMapOvr>
+    <a:masterClrMapping/>
+  </p:clrMapOvr>
+  <p:timing>
+    <p:tnLst>
+      <p:par>
+        <p:cTn id="1" dur="indefinite" restart="never" nodeType="tmRoot"/>
+      </p:par>
+    </p:tnLst>
+  </p:timing>
+</p:sld>
+</file>
+
+<file path=ppt/slides/slide22.xml><?xml version="1.0" encoding="utf-8"?>
+<p:sld xmlns:a="http://schemas.openxmlformats.org/drawingml/2006/main" xmlns:r="http://schemas.openxmlformats.org/officeDocument/2006/relationships" xmlns:p="http://schemas.openxmlformats.org/presentationml/2006/main">
+  <p:cSld>
+    <p:spTree>
+      <p:nvGrpSpPr>
+        <p:cNvPr id="1" name=""/>
+        <p:cNvGrpSpPr/>
+        <p:nvPr/>
+      </p:nvGrpSpPr>
+      <p:grpSpPr>
+        <a:xfrm>
+          <a:off x="0" y="0"/>
+          <a:ext cx="0" cy="0"/>
+          <a:chOff x="0" y="0"/>
+          <a:chExt cx="0" cy="0"/>
+        </a:xfrm>
+      </p:grpSpPr>
+      <p:sp>
+        <p:nvSpPr>
+          <p:cNvPr id="4" name="Text Placeholder 3"/>
+          <p:cNvSpPr>
+            <a:spLocks noGrp="1"/>
+          </p:cNvSpPr>
+          <p:nvPr>
+            <p:ph type="body" sz="quarter" idx="10"/>
+          </p:nvPr>
+        </p:nvSpPr>
+        <p:spPr/>
+        <p:txBody>
+          <a:bodyPr/>
+          <a:lstStyle/>
+          <a:p>
+            <a:r>
+              <a:rPr lang="en-US" dirty="0"/>
+              <a:t>Tips and Tricks</a:t>
+            </a:r>
+          </a:p>
+        </p:txBody>
+      </p:sp>
+      <p:sp>
+        <p:nvSpPr>
+          <p:cNvPr id="3" name="Subtitle 2"/>
+          <p:cNvSpPr>
+            <a:spLocks noGrp="1"/>
+          </p:cNvSpPr>
+          <p:nvPr>
+            <p:ph type="subTitle" idx="1"/>
+          </p:nvPr>
+        </p:nvSpPr>
+        <p:spPr/>
+        <p:txBody>
+          <a:bodyPr/>
+          <a:lstStyle/>
+          <a:p>
+            <a:endParaRPr lang="en-US" dirty="0"/>
+          </a:p>
+        </p:txBody>
+      </p:sp>
+    </p:spTree>
+    <p:extLst>
+      <p:ext uri="{BB962C8B-B14F-4D97-AF65-F5344CB8AC3E}">
+        <p14:creationId xmlns:p14="http://schemas.microsoft.com/office/powerpoint/2010/main" val="2470513511"/>
+      </p:ext>
+    </p:extLst>
+  </p:cSld>
+  <p:clrMapOvr>
+    <a:masterClrMapping/>
+  </p:clrMapOvr>
+  <p:timing>
+    <p:tnLst>
+      <p:par>
+        <p:cTn id="1" dur="indefinite" restart="never" nodeType="tmRoot"/>
+      </p:par>
+    </p:tnLst>
+  </p:timing>
+</p:sld>
+</file>
+
+<file path=ppt/slides/slide23.xml><?xml version="1.0" encoding="utf-8"?>
+<p:sld xmlns:a="http://schemas.openxmlformats.org/drawingml/2006/main" xmlns:r="http://schemas.openxmlformats.org/officeDocument/2006/relationships" xmlns:p="http://schemas.openxmlformats.org/presentationml/2006/main">
+  <p:cSld>
+    <p:spTree>
+      <p:nvGrpSpPr>
+        <p:cNvPr id="1" name=""/>
+        <p:cNvGrpSpPr/>
+        <p:nvPr/>
+      </p:nvGrpSpPr>
+      <p:grpSpPr>
+        <a:xfrm>
+          <a:off x="0" y="0"/>
+          <a:ext cx="0" cy="0"/>
+          <a:chOff x="0" y="0"/>
+          <a:chExt cx="0" cy="0"/>
+        </a:xfrm>
+      </p:grpSpPr>
+      <p:sp>
+        <p:nvSpPr>
+          <p:cNvPr id="4" name="Title 3"/>
+          <p:cNvSpPr>
+            <a:spLocks noGrp="1"/>
+          </p:cNvSpPr>
+          <p:nvPr>
+            <p:ph type="title"/>
+          </p:nvPr>
+        </p:nvSpPr>
+        <p:spPr/>
+        <p:txBody>
+          <a:bodyPr/>
+          <a:lstStyle/>
+          <a:p>
+            <a:r>
+              <a:rPr lang="en-US" dirty="0" smtClean="0"/>
+              <a:t>Tips and tricks</a:t>
+            </a:r>
+            <a:endParaRPr lang="en-US" dirty="0"/>
+          </a:p>
+        </p:txBody>
+      </p:sp>
+      <p:sp>
+        <p:nvSpPr>
+          <p:cNvPr id="5" name="Content Placeholder 4"/>
+          <p:cNvSpPr>
+            <a:spLocks noGrp="1"/>
+          </p:cNvSpPr>
+          <p:nvPr>
+            <p:ph sz="quarter" idx="10"/>
+          </p:nvPr>
+        </p:nvSpPr>
+        <p:spPr/>
+        <p:txBody>
+          <a:bodyPr/>
+          <a:lstStyle/>
+          <a:p>
+            <a:r>
+              <a:rPr lang="en-US" dirty="0" smtClean="0"/>
+              <a:t>Chaining</a:t>
+            </a:r>
+          </a:p>
+          <a:p>
+            <a:pPr lvl="1"/>
+            <a:r>
+              <a:rPr lang="en-US" dirty="0" smtClean="0"/>
+              <a:t>Each method returns the object</a:t>
+            </a:r>
+          </a:p>
+          <a:p>
+            <a:pPr lvl="1"/>
+            <a:r>
+              <a:rPr lang="en-US" dirty="0" err="1" smtClean="0">
+                <a:latin typeface="Consolas" panose="020B0609020204030204" pitchFamily="49" charset="0"/>
+                <a:cs typeface="Consolas" panose="020B0609020204030204" pitchFamily="49" charset="0"/>
+              </a:rPr>
+              <a:t>element.val</a:t>
+            </a:r>
+            <a:r>
+              <a:rPr lang="en-US" dirty="0" smtClean="0">
+                <a:latin typeface="Consolas" panose="020B0609020204030204" pitchFamily="49" charset="0"/>
+                <a:cs typeface="Consolas" panose="020B0609020204030204" pitchFamily="49" charset="0"/>
+              </a:rPr>
+              <a:t>(</a:t>
+            </a:r>
+            <a:r>
+              <a:rPr lang="en-US" dirty="0" smtClean="0">
+                <a:solidFill>
+                  <a:srgbClr val="C00000"/>
+                </a:solidFill>
+                <a:latin typeface="Consolas" panose="020B0609020204030204" pitchFamily="49" charset="0"/>
+                <a:cs typeface="Consolas" panose="020B0609020204030204" pitchFamily="49" charset="0"/>
+              </a:rPr>
+              <a:t>''</a:t>
+            </a:r>
+            <a:r>
+              <a:rPr lang="en-US" dirty="0" smtClean="0">
+                <a:latin typeface="Consolas" panose="020B0609020204030204" pitchFamily="49" charset="0"/>
+                <a:cs typeface="Consolas" panose="020B0609020204030204" pitchFamily="49" charset="0"/>
+              </a:rPr>
+              <a:t>).focus()</a:t>
+            </a:r>
+            <a:endParaRPr lang="en-US" dirty="0">
+              <a:latin typeface="Consolas" panose="020B0609020204030204" pitchFamily="49" charset="0"/>
+              <a:cs typeface="Consolas" panose="020B0609020204030204" pitchFamily="49" charset="0"/>
+            </a:endParaRPr>
+          </a:p>
+          <a:p>
+            <a:r>
+              <a:rPr lang="en-US" dirty="0"/>
+              <a:t>Use classes whenever possible</a:t>
+            </a:r>
+          </a:p>
+          <a:p>
+            <a:pPr lvl="1"/>
+            <a:r>
+              <a:rPr lang="en-US" dirty="0"/>
+              <a:t>Remember your CSS best practices!</a:t>
+            </a:r>
+            <a:endParaRPr lang="en-US" dirty="0"/>
+          </a:p>
+        </p:txBody>
+      </p:sp>
+    </p:spTree>
+    <p:extLst>
+      <p:ext uri="{BB962C8B-B14F-4D97-AF65-F5344CB8AC3E}">
+        <p14:creationId xmlns:p14="http://schemas.microsoft.com/office/powerpoint/2010/main" val="164305146"/>
+      </p:ext>
+    </p:extLst>
+  </p:cSld>
+  <p:clrMapOvr>
+    <a:masterClrMapping/>
+  </p:clrMapOvr>
+  <p:timing>
+    <p:tnLst>
+      <p:par>
+        <p:cTn id="1" dur="indefinite" restart="never" nodeType="tmRoot"/>
+      </p:par>
+    </p:tnLst>
+  </p:timing>
+</p:sld>
+</file>
+
+<file path=ppt/slides/slide24.xml><?xml version="1.0" encoding="utf-8"?>
+<p:sld xmlns:a="http://schemas.openxmlformats.org/drawingml/2006/main" xmlns:r="http://schemas.openxmlformats.org/officeDocument/2006/relationships" xmlns:p="http://schemas.openxmlformats.org/presentationml/2006/main">
+  <p:cSld>
+    <p:spTree>
+      <p:nvGrpSpPr>
+        <p:cNvPr id="1" name=""/>
+        <p:cNvGrpSpPr/>
+        <p:nvPr/>
+      </p:nvGrpSpPr>
+      <p:grpSpPr>
+        <a:xfrm>
+          <a:off x="0" y="0"/>
+          <a:ext cx="0" cy="0"/>
+          <a:chOff x="0" y="0"/>
+          <a:chExt cx="0" cy="0"/>
+        </a:xfrm>
+      </p:grpSpPr>
+    </p:spTree>
+    <p:extLst>
+      <p:ext uri="{BB962C8B-B14F-4D97-AF65-F5344CB8AC3E}">
+        <p14:creationId xmlns:p14="http://schemas.microsoft.com/office/powerpoint/2010/main" val="898363405"/>
       </p:ext>
     </p:extLst>
   </p:cSld>
@@ -6021,6 +7130,28 @@
 </file>
 
 <file path=customXml/item1.xml><?xml version="1.0" encoding="utf-8"?>
+<p:properties xmlns:p="http://schemas.microsoft.com/office/2006/metadata/properties" xmlns:xsi="http://www.w3.org/2001/XMLSchema-instance" xmlns:pc="http://schemas.microsoft.com/office/infopath/2007/PartnerControls">
+  <documentManagement>
+    <TaxCatchAll xmlns="230e9df3-be65-4c73-a93b-d1236ebd677e"/>
+    <PublishingExpirationDate xmlns="http://schemas.microsoft.com/sharepoint/v3" xsi:nil="true"/>
+    <PublishingStartDate xmlns="http://schemas.microsoft.com/sharepoint/v3" xsi:nil="true"/>
+    <TaxKeywordTaxHTField xmlns="230e9df3-be65-4c73-a93b-d1236ebd677e">
+      <Terms xmlns="http://schemas.microsoft.com/office/infopath/2007/PartnerControls"/>
+    </TaxKeywordTaxHTField>
+  </documentManagement>
+</p:properties>
+</file>
+
+<file path=customXml/item2.xml><?xml version="1.0" encoding="utf-8"?>
+<?mso-contentType ?>
+<FormTemplates xmlns="http://schemas.microsoft.com/sharepoint/v3/contenttype/forms">
+  <Display>DocumentLibraryForm</Display>
+  <Edit>DocumentLibraryForm</Edit>
+  <New>DocumentLibraryForm</New>
+</FormTemplates>
+</file>
+
+<file path=customXml/item3.xml><?xml version="1.0" encoding="utf-8"?>
 <ct:contentTypeSchema xmlns:ct="http://schemas.microsoft.com/office/2006/metadata/contentType" xmlns:ma="http://schemas.microsoft.com/office/2006/metadata/properties/metaAttributes" ct:_="" ma:_="" ma:contentTypeName="Document" ma:contentTypeID="0x010100496889825850D44592AC5D2F43187AE4" ma:contentTypeVersion="5" ma:contentTypeDescription="Create a new document." ma:contentTypeScope="" ma:versionID="fde90edb5a63ba841bca516fd2abaf95">
   <xsd:schema xmlns:xsd="http://www.w3.org/2001/XMLSchema" xmlns:xs="http://www.w3.org/2001/XMLSchema" xmlns:p="http://schemas.microsoft.com/office/2006/metadata/properties" xmlns:ns1="http://schemas.microsoft.com/sharepoint/v3" xmlns:ns2="230e9df3-be65-4c73-a93b-d1236ebd677e" xmlns:ns3="27aa9422-7f1f-4c84-9cdf-302b1a67e513" targetNamespace="http://schemas.microsoft.com/office/2006/metadata/properties" ma:root="true" ma:fieldsID="5e7808ae941cc340dbe51a3031959734" ns1:_="" ns2:_="" ns3:_="">
     <xsd:import namespace="http://schemas.microsoft.com/sharepoint/v3"/>
@@ -6202,29 +7333,33 @@
 </ct:contentTypeSchema>
 </file>
 
-<file path=customXml/item2.xml><?xml version="1.0" encoding="utf-8"?>
-<?mso-contentType ?>
-<FormTemplates xmlns="http://schemas.microsoft.com/sharepoint/v3/contenttype/forms">
-  <Display>DocumentLibraryForm</Display>
-  <Edit>DocumentLibraryForm</Edit>
-  <New>DocumentLibraryForm</New>
-</FormTemplates>
+<file path=customXml/itemProps1.xml><?xml version="1.0" encoding="utf-8"?>
+<ds:datastoreItem xmlns:ds="http://schemas.openxmlformats.org/officeDocument/2006/customXml" ds:itemID="{7025FDD9-4C58-4084-9F89-0E6ADD6FFF55}">
+  <ds:schemaRefs>
+    <ds:schemaRef ds:uri="http://schemas.microsoft.com/office/2006/documentManagement/types"/>
+    <ds:schemaRef ds:uri="230e9df3-be65-4c73-a93b-d1236ebd677e"/>
+    <ds:schemaRef ds:uri="http://schemas.openxmlformats.org/package/2006/metadata/core-properties"/>
+    <ds:schemaRef ds:uri="http://purl.org/dc/elements/1.1/"/>
+    <ds:schemaRef ds:uri="http://schemas.microsoft.com/office/infopath/2007/PartnerControls"/>
+    <ds:schemaRef ds:uri="27aa9422-7f1f-4c84-9cdf-302b1a67e513"/>
+    <ds:schemaRef ds:uri="http://purl.org/dc/terms/"/>
+    <ds:schemaRef ds:uri="http://schemas.microsoft.com/sharepoint/v3"/>
+    <ds:schemaRef ds:uri="http://schemas.microsoft.com/office/2006/metadata/properties"/>
+    <ds:schemaRef ds:uri="http://www.w3.org/XML/1998/namespace"/>
+    <ds:schemaRef ds:uri="http://purl.org/dc/dcmitype/"/>
+  </ds:schemaRefs>
+</ds:datastoreItem>
 </file>
 
-<file path=customXml/item3.xml><?xml version="1.0" encoding="utf-8"?>
-<p:properties xmlns:p="http://schemas.microsoft.com/office/2006/metadata/properties" xmlns:xsi="http://www.w3.org/2001/XMLSchema-instance" xmlns:pc="http://schemas.microsoft.com/office/infopath/2007/PartnerControls">
-  <documentManagement>
-    <TaxCatchAll xmlns="230e9df3-be65-4c73-a93b-d1236ebd677e"/>
-    <PublishingExpirationDate xmlns="http://schemas.microsoft.com/sharepoint/v3" xsi:nil="true"/>
-    <PublishingStartDate xmlns="http://schemas.microsoft.com/sharepoint/v3" xsi:nil="true"/>
-    <TaxKeywordTaxHTField xmlns="230e9df3-be65-4c73-a93b-d1236ebd677e">
-      <Terms xmlns="http://schemas.microsoft.com/office/infopath/2007/PartnerControls"/>
-    </TaxKeywordTaxHTField>
-  </documentManagement>
-</p:properties>
+<file path=customXml/itemProps2.xml><?xml version="1.0" encoding="utf-8"?>
+<ds:datastoreItem xmlns:ds="http://schemas.openxmlformats.org/officeDocument/2006/customXml" ds:itemID="{B0CA13EC-1D3C-4D6F-8D1C-E8A452CFC79A}">
+  <ds:schemaRefs>
+    <ds:schemaRef ds:uri="http://schemas.microsoft.com/sharepoint/v3/contenttype/forms"/>
+  </ds:schemaRefs>
+</ds:datastoreItem>
 </file>
 
-<file path=customXml/itemProps1.xml><?xml version="1.0" encoding="utf-8"?>
+<file path=customXml/itemProps3.xml><?xml version="1.0" encoding="utf-8"?>
 <ds:datastoreItem xmlns:ds="http://schemas.openxmlformats.org/officeDocument/2006/customXml" ds:itemID="{3253B29C-1CCD-4FE8-A1C4-023A0910DF96}">
   <ds:schemaRefs>
     <ds:schemaRef ds:uri="http://schemas.microsoft.com/office/2006/metadata/contentType"/>
@@ -6242,30 +7377,4 @@
     <ds:schemaRef ds:uri="http://schemas.microsoft.com/internal/obd"/>
   </ds:schemaRefs>
 </ds:datastoreItem>
-</file>
-
-<file path=customXml/itemProps2.xml><?xml version="1.0" encoding="utf-8"?>
-<ds:datastoreItem xmlns:ds="http://schemas.openxmlformats.org/officeDocument/2006/customXml" ds:itemID="{B0CA13EC-1D3C-4D6F-8D1C-E8A452CFC79A}">
-  <ds:schemaRefs>
-    <ds:schemaRef ds:uri="http://schemas.microsoft.com/sharepoint/v3/contenttype/forms"/>
-  </ds:schemaRefs>
-</ds:datastoreItem>
-</file>
-
-<file path=customXml/itemProps3.xml><?xml version="1.0" encoding="utf-8"?>
-<ds:datastoreItem xmlns:ds="http://schemas.openxmlformats.org/officeDocument/2006/customXml" ds:itemID="{7025FDD9-4C58-4084-9F89-0E6ADD6FFF55}">
-  <ds:schemaRefs>
-    <ds:schemaRef ds:uri="http://schemas.microsoft.com/office/2006/documentManagement/types"/>
-    <ds:schemaRef ds:uri="230e9df3-be65-4c73-a93b-d1236ebd677e"/>
-    <ds:schemaRef ds:uri="http://schemas.openxmlformats.org/package/2006/metadata/core-properties"/>
-    <ds:schemaRef ds:uri="http://purl.org/dc/elements/1.1/"/>
-    <ds:schemaRef ds:uri="http://schemas.microsoft.com/office/infopath/2007/PartnerControls"/>
-    <ds:schemaRef ds:uri="27aa9422-7f1f-4c84-9cdf-302b1a67e513"/>
-    <ds:schemaRef ds:uri="http://purl.org/dc/terms/"/>
-    <ds:schemaRef ds:uri="http://schemas.microsoft.com/sharepoint/v3"/>
-    <ds:schemaRef ds:uri="http://schemas.microsoft.com/office/2006/metadata/properties"/>
-    <ds:schemaRef ds:uri="http://www.w3.org/XML/1998/namespace"/>
-    <ds:schemaRef ds:uri="http://purl.org/dc/dcmitype/"/>
-  </ds:schemaRefs>
-</ds:datastoreItem>
 </file>